--- a/US_Food_Drug_Final.pptx
+++ b/US_Food_Drug_Final.pptx
@@ -303,7 +303,7 @@
           <a:p>
             <a:fld id="{5BF0E2EB-264F-4990-A0CB-5974C16DD733}" type="datetimeFigureOut">
               <a:rPr lang="en-US" smtClean="0"/>
-              <a:t>11/10/2021</a:t>
+              <a:t>11/10/21</a:t>
             </a:fld>
             <a:endParaRPr lang="en-US"/>
           </a:p>
@@ -869,7 +869,7 @@
           <a:p>
             <a:fld id="{A295129A-6630-40BB-8A3A-FEE4DF36B89A}" type="datetimeFigureOut">
               <a:rPr lang="en-US" smtClean="0"/>
-              <a:t>11/10/2021</a:t>
+              <a:t>11/10/21</a:t>
             </a:fld>
             <a:endParaRPr lang="en-US"/>
           </a:p>
@@ -1039,7 +1039,7 @@
           <a:p>
             <a:fld id="{A295129A-6630-40BB-8A3A-FEE4DF36B89A}" type="datetimeFigureOut">
               <a:rPr lang="en-US" smtClean="0"/>
-              <a:t>11/10/2021</a:t>
+              <a:t>11/10/21</a:t>
             </a:fld>
             <a:endParaRPr lang="en-US"/>
           </a:p>
@@ -1219,7 +1219,7 @@
           <a:p>
             <a:fld id="{A295129A-6630-40BB-8A3A-FEE4DF36B89A}" type="datetimeFigureOut">
               <a:rPr lang="en-US" smtClean="0"/>
-              <a:t>11/10/2021</a:t>
+              <a:t>11/10/21</a:t>
             </a:fld>
             <a:endParaRPr lang="en-US"/>
           </a:p>
@@ -1389,7 +1389,7 @@
           <a:p>
             <a:fld id="{A295129A-6630-40BB-8A3A-FEE4DF36B89A}" type="datetimeFigureOut">
               <a:rPr lang="en-US" smtClean="0"/>
-              <a:t>11/10/2021</a:t>
+              <a:t>11/10/21</a:t>
             </a:fld>
             <a:endParaRPr lang="en-US"/>
           </a:p>
@@ -1635,7 +1635,7 @@
           <a:p>
             <a:fld id="{A295129A-6630-40BB-8A3A-FEE4DF36B89A}" type="datetimeFigureOut">
               <a:rPr lang="en-US" smtClean="0"/>
-              <a:t>11/10/2021</a:t>
+              <a:t>11/10/21</a:t>
             </a:fld>
             <a:endParaRPr lang="en-US"/>
           </a:p>
@@ -1867,7 +1867,7 @@
           <a:p>
             <a:fld id="{A295129A-6630-40BB-8A3A-FEE4DF36B89A}" type="datetimeFigureOut">
               <a:rPr lang="en-US" smtClean="0"/>
-              <a:t>11/10/2021</a:t>
+              <a:t>11/10/21</a:t>
             </a:fld>
             <a:endParaRPr lang="en-US"/>
           </a:p>
@@ -2234,7 +2234,7 @@
           <a:p>
             <a:fld id="{A295129A-6630-40BB-8A3A-FEE4DF36B89A}" type="datetimeFigureOut">
               <a:rPr lang="en-US" smtClean="0"/>
-              <a:t>11/10/2021</a:t>
+              <a:t>11/10/21</a:t>
             </a:fld>
             <a:endParaRPr lang="en-US"/>
           </a:p>
@@ -2352,7 +2352,7 @@
           <a:p>
             <a:fld id="{A295129A-6630-40BB-8A3A-FEE4DF36B89A}" type="datetimeFigureOut">
               <a:rPr lang="en-US" smtClean="0"/>
-              <a:t>11/10/2021</a:t>
+              <a:t>11/10/21</a:t>
             </a:fld>
             <a:endParaRPr lang="en-US"/>
           </a:p>
@@ -2447,7 +2447,7 @@
           <a:p>
             <a:fld id="{A295129A-6630-40BB-8A3A-FEE4DF36B89A}" type="datetimeFigureOut">
               <a:rPr lang="en-US" smtClean="0"/>
-              <a:t>11/10/2021</a:t>
+              <a:t>11/10/21</a:t>
             </a:fld>
             <a:endParaRPr lang="en-US"/>
           </a:p>
@@ -2724,7 +2724,7 @@
           <a:p>
             <a:fld id="{A295129A-6630-40BB-8A3A-FEE4DF36B89A}" type="datetimeFigureOut">
               <a:rPr lang="en-US" smtClean="0"/>
-              <a:t>11/10/2021</a:t>
+              <a:t>11/10/21</a:t>
             </a:fld>
             <a:endParaRPr lang="en-US"/>
           </a:p>
@@ -2981,7 +2981,7 @@
           <a:p>
             <a:fld id="{A295129A-6630-40BB-8A3A-FEE4DF36B89A}" type="datetimeFigureOut">
               <a:rPr lang="en-US" smtClean="0"/>
-              <a:t>11/10/2021</a:t>
+              <a:t>11/10/21</a:t>
             </a:fld>
             <a:endParaRPr lang="en-US"/>
           </a:p>
@@ -3194,7 +3194,7 @@
           <a:p>
             <a:fld id="{A295129A-6630-40BB-8A3A-FEE4DF36B89A}" type="datetimeFigureOut">
               <a:rPr lang="en-US" smtClean="0"/>
-              <a:t>11/10/2021</a:t>
+              <a:t>11/10/21</a:t>
             </a:fld>
             <a:endParaRPr lang="en-US"/>
           </a:p>
@@ -3660,7 +3660,7 @@
             </a:r>
             <a:r>
               <a:rPr lang="en-US" dirty="0" err="1"/>
-              <a:t>Bartko</a:t>
+              <a:t>Bartkó</a:t>
             </a:r>
             <a:r>
               <a:rPr lang="en-US" dirty="0"/>
@@ -4088,10 +4088,10 @@
       </p:sp>
       <p:pic>
         <p:nvPicPr>
-          <p:cNvPr id="4" name="Picture 3">
+          <p:cNvPr id="5" name="Picture 4">
             <a:extLst>
               <a:ext uri="{FF2B5EF4-FFF2-40B4-BE49-F238E27FC236}">
-                <a16:creationId xmlns:a16="http://schemas.microsoft.com/office/drawing/2014/main" id="{6F0159F4-B2C3-4DCC-AAEC-0D5D1455BA55}"/>
+                <a16:creationId xmlns:a16="http://schemas.microsoft.com/office/drawing/2014/main" id="{74630EBD-2452-4F7C-84B1-39CC3C5C5428}"/>
               </a:ext>
             </a:extLst>
           </p:cNvPr>
@@ -4108,44 +4108,178 @@
         </p:blipFill>
         <p:spPr>
           <a:xfrm>
-            <a:off x="864542" y="2120347"/>
-            <a:ext cx="5085684" cy="3548933"/>
+            <a:off x="6400797" y="2120347"/>
+            <a:ext cx="5030381" cy="3510343"/>
           </a:xfrm>
           <a:prstGeom prst="rect">
             <a:avLst/>
           </a:prstGeom>
         </p:spPr>
       </p:pic>
-      <p:pic>
-        <p:nvPicPr>
-          <p:cNvPr id="5" name="Picture 4">
+      <p:grpSp>
+        <p:nvGrpSpPr>
+          <p:cNvPr id="11" name="Group 10">
             <a:extLst>
               <a:ext uri="{FF2B5EF4-FFF2-40B4-BE49-F238E27FC236}">
-                <a16:creationId xmlns:a16="http://schemas.microsoft.com/office/drawing/2014/main" id="{74630EBD-2452-4F7C-84B1-39CC3C5C5428}"/>
+                <a16:creationId xmlns:a16="http://schemas.microsoft.com/office/drawing/2014/main" id="{E47055BB-E321-404F-BB62-554CC82F8C64}"/>
               </a:ext>
             </a:extLst>
           </p:cNvPr>
-          <p:cNvPicPr>
-            <a:picLocks noChangeAspect="1"/>
-          </p:cNvPicPr>
+          <p:cNvGrpSpPr/>
           <p:nvPr/>
-        </p:nvPicPr>
-        <p:blipFill>
-          <a:blip r:embed="rId3"/>
-          <a:stretch>
-            <a:fillRect/>
-          </a:stretch>
-        </p:blipFill>
-        <p:spPr>
+        </p:nvGrpSpPr>
+        <p:grpSpPr>
           <a:xfrm>
-            <a:off x="6655741" y="2120347"/>
-            <a:ext cx="5085683" cy="3548934"/>
+            <a:off x="277580" y="2120345"/>
+            <a:ext cx="6008914" cy="3627312"/>
+            <a:chOff x="277580" y="2120345"/>
+            <a:chExt cx="6008914" cy="3627312"/>
           </a:xfrm>
-          <a:prstGeom prst="rect">
-            <a:avLst/>
-          </a:prstGeom>
-        </p:spPr>
-      </p:pic>
+        </p:grpSpPr>
+        <p:pic>
+          <p:nvPicPr>
+            <p:cNvPr id="8" name="Picture 7">
+              <a:extLst>
+                <a:ext uri="{FF2B5EF4-FFF2-40B4-BE49-F238E27FC236}">
+                  <a16:creationId xmlns:a16="http://schemas.microsoft.com/office/drawing/2014/main" id="{FBCBC8D8-7A28-9A4E-B958-0B2F2ED9FFED}"/>
+                </a:ext>
+              </a:extLst>
+            </p:cNvPr>
+            <p:cNvPicPr>
+              <a:picLocks noChangeAspect="1"/>
+            </p:cNvPicPr>
+            <p:nvPr/>
+          </p:nvPicPr>
+          <p:blipFill>
+            <a:blip r:embed="rId3">
+              <a:extLst>
+                <a:ext uri="{28A0092B-C50C-407E-A947-70E740481C1C}">
+                  <a14:useLocalDpi xmlns:a14="http://schemas.microsoft.com/office/drawing/2010/main" val="0"/>
+                </a:ext>
+              </a:extLst>
+            </a:blip>
+            <a:stretch>
+              <a:fillRect/>
+            </a:stretch>
+          </p:blipFill>
+          <p:spPr>
+            <a:xfrm>
+              <a:off x="413650" y="2120346"/>
+              <a:ext cx="5850572" cy="3510343"/>
+            </a:xfrm>
+            <a:prstGeom prst="rect">
+              <a:avLst/>
+            </a:prstGeom>
+            <a:solidFill>
+              <a:schemeClr val="tx1"/>
+            </a:solidFill>
+          </p:spPr>
+        </p:pic>
+        <p:sp>
+          <p:nvSpPr>
+            <p:cNvPr id="9" name="Rectangle 8">
+              <a:extLst>
+                <a:ext uri="{FF2B5EF4-FFF2-40B4-BE49-F238E27FC236}">
+                  <a16:creationId xmlns:a16="http://schemas.microsoft.com/office/drawing/2014/main" id="{19013049-55C3-0A47-9C8E-5486C4E55A0D}"/>
+                </a:ext>
+              </a:extLst>
+            </p:cNvPr>
+            <p:cNvSpPr/>
+            <p:nvPr/>
+          </p:nvSpPr>
+          <p:spPr>
+            <a:xfrm>
+              <a:off x="277580" y="2120346"/>
+              <a:ext cx="669471" cy="3627311"/>
+            </a:xfrm>
+            <a:prstGeom prst="rect">
+              <a:avLst/>
+            </a:prstGeom>
+            <a:solidFill>
+              <a:schemeClr val="bg1"/>
+            </a:solidFill>
+            <a:ln>
+              <a:noFill/>
+            </a:ln>
+          </p:spPr>
+          <p:style>
+            <a:lnRef idx="2">
+              <a:schemeClr val="accent1">
+                <a:shade val="50000"/>
+              </a:schemeClr>
+            </a:lnRef>
+            <a:fillRef idx="1">
+              <a:schemeClr val="accent1"/>
+            </a:fillRef>
+            <a:effectRef idx="0">
+              <a:schemeClr val="accent1"/>
+            </a:effectRef>
+            <a:fontRef idx="minor">
+              <a:schemeClr val="lt1"/>
+            </a:fontRef>
+          </p:style>
+          <p:txBody>
+            <a:bodyPr rtlCol="0" anchor="ctr"/>
+            <a:lstStyle/>
+            <a:p>
+              <a:pPr algn="ctr"/>
+              <a:endParaRPr lang="en-US" dirty="0"/>
+            </a:p>
+          </p:txBody>
+        </p:sp>
+        <p:sp>
+          <p:nvSpPr>
+            <p:cNvPr id="10" name="Rectangle 9">
+              <a:extLst>
+                <a:ext uri="{FF2B5EF4-FFF2-40B4-BE49-F238E27FC236}">
+                  <a16:creationId xmlns:a16="http://schemas.microsoft.com/office/drawing/2014/main" id="{ED6E1FBA-D282-1E46-A02E-80BA09C172FE}"/>
+                </a:ext>
+              </a:extLst>
+            </p:cNvPr>
+            <p:cNvSpPr/>
+            <p:nvPr/>
+          </p:nvSpPr>
+          <p:spPr>
+            <a:xfrm>
+              <a:off x="5812965" y="2120345"/>
+              <a:ext cx="473529" cy="3627311"/>
+            </a:xfrm>
+            <a:prstGeom prst="rect">
+              <a:avLst/>
+            </a:prstGeom>
+            <a:solidFill>
+              <a:schemeClr val="bg1"/>
+            </a:solidFill>
+            <a:ln>
+              <a:noFill/>
+            </a:ln>
+          </p:spPr>
+          <p:style>
+            <a:lnRef idx="2">
+              <a:schemeClr val="accent1">
+                <a:shade val="50000"/>
+              </a:schemeClr>
+            </a:lnRef>
+            <a:fillRef idx="1">
+              <a:schemeClr val="accent1"/>
+            </a:fillRef>
+            <a:effectRef idx="0">
+              <a:schemeClr val="accent1"/>
+            </a:effectRef>
+            <a:fontRef idx="minor">
+              <a:schemeClr val="lt1"/>
+            </a:fontRef>
+          </p:style>
+          <p:txBody>
+            <a:bodyPr rtlCol="0" anchor="ctr"/>
+            <a:lstStyle/>
+            <a:p>
+              <a:pPr algn="ctr"/>
+              <a:endParaRPr lang="en-US" dirty="0"/>
+            </a:p>
+          </p:txBody>
+        </p:sp>
+      </p:grpSp>
     </p:spTree>
     <p:extLst>
       <p:ext uri="{BB962C8B-B14F-4D97-AF65-F5344CB8AC3E}">
@@ -4512,10 +4646,10 @@
       </p:pic>
       <p:pic>
         <p:nvPicPr>
-          <p:cNvPr id="5" name="Picture 4">
+          <p:cNvPr id="6" name="Picture 5">
             <a:extLst>
               <a:ext uri="{FF2B5EF4-FFF2-40B4-BE49-F238E27FC236}">
-                <a16:creationId xmlns:a16="http://schemas.microsoft.com/office/drawing/2014/main" id="{33BA49FD-1973-4488-B808-215C41225606}"/>
+                <a16:creationId xmlns:a16="http://schemas.microsoft.com/office/drawing/2014/main" id="{C0B17EC3-A5ED-054D-AEBD-2C5DD2074A05}"/>
               </a:ext>
             </a:extLst>
           </p:cNvPr>
@@ -4525,21 +4659,82 @@
           <p:nvPr/>
         </p:nvPicPr>
         <p:blipFill>
-          <a:blip r:embed="rId3"/>
+          <a:blip r:embed="rId3">
+            <a:extLst>
+              <a:ext uri="{28A0092B-C50C-407E-A947-70E740481C1C}">
+                <a14:useLocalDpi xmlns:a14="http://schemas.microsoft.com/office/drawing/2010/main" val="0"/>
+              </a:ext>
+            </a:extLst>
+          </a:blip>
           <a:stretch>
             <a:fillRect/>
           </a:stretch>
         </p:blipFill>
         <p:spPr>
           <a:xfrm>
-            <a:off x="702365" y="2436956"/>
-            <a:ext cx="5567445" cy="3669204"/>
+            <a:off x="238652" y="2457283"/>
+            <a:ext cx="6081462" cy="3648877"/>
           </a:xfrm>
           <a:prstGeom prst="rect">
             <a:avLst/>
           </a:prstGeom>
+          <a:solidFill>
+            <a:schemeClr val="tx1"/>
+          </a:solidFill>
         </p:spPr>
       </p:pic>
+      <p:sp>
+        <p:nvSpPr>
+          <p:cNvPr id="9" name="Rectangle 8">
+            <a:extLst>
+              <a:ext uri="{FF2B5EF4-FFF2-40B4-BE49-F238E27FC236}">
+                <a16:creationId xmlns:a16="http://schemas.microsoft.com/office/drawing/2014/main" id="{1E189158-991A-1846-ACD4-E95F1ACF7DF8}"/>
+              </a:ext>
+            </a:extLst>
+          </p:cNvPr>
+          <p:cNvSpPr/>
+          <p:nvPr/>
+        </p:nvSpPr>
+        <p:spPr>
+          <a:xfrm>
+            <a:off x="212688" y="2436956"/>
+            <a:ext cx="767026" cy="3669204"/>
+          </a:xfrm>
+          <a:prstGeom prst="rect">
+            <a:avLst/>
+          </a:prstGeom>
+          <a:solidFill>
+            <a:schemeClr val="bg1"/>
+          </a:solidFill>
+          <a:ln>
+            <a:noFill/>
+          </a:ln>
+        </p:spPr>
+        <p:style>
+          <a:lnRef idx="2">
+            <a:schemeClr val="accent1">
+              <a:shade val="50000"/>
+            </a:schemeClr>
+          </a:lnRef>
+          <a:fillRef idx="1">
+            <a:schemeClr val="accent1"/>
+          </a:fillRef>
+          <a:effectRef idx="0">
+            <a:schemeClr val="accent1"/>
+          </a:effectRef>
+          <a:fontRef idx="minor">
+            <a:schemeClr val="lt1"/>
+          </a:fontRef>
+        </p:style>
+        <p:txBody>
+          <a:bodyPr rtlCol="0" anchor="ctr"/>
+          <a:lstStyle/>
+          <a:p>
+            <a:pPr algn="ctr"/>
+            <a:endParaRPr lang="en-US" dirty="0"/>
+          </a:p>
+        </p:txBody>
+      </p:sp>
     </p:spTree>
     <p:extLst>
       <p:ext uri="{BB962C8B-B14F-4D97-AF65-F5344CB8AC3E}">
@@ -4788,14 +4983,178 @@
         </p:blipFill>
         <p:spPr>
           <a:xfrm>
-            <a:off x="3994574" y="2314485"/>
-            <a:ext cx="3797536" cy="3142460"/>
+            <a:off x="6427536" y="2314485"/>
+            <a:ext cx="4251349" cy="3517990"/>
           </a:xfrm>
           <a:prstGeom prst="rect">
             <a:avLst/>
           </a:prstGeom>
         </p:spPr>
       </p:pic>
+      <p:grpSp>
+        <p:nvGrpSpPr>
+          <p:cNvPr id="5" name="Group 4">
+            <a:extLst>
+              <a:ext uri="{FF2B5EF4-FFF2-40B4-BE49-F238E27FC236}">
+                <a16:creationId xmlns:a16="http://schemas.microsoft.com/office/drawing/2014/main" id="{F6116BF2-2E7C-6742-B461-0C32EFC33A03}"/>
+              </a:ext>
+            </a:extLst>
+          </p:cNvPr>
+          <p:cNvGrpSpPr/>
+          <p:nvPr/>
+        </p:nvGrpSpPr>
+        <p:grpSpPr>
+          <a:xfrm>
+            <a:off x="418623" y="2314485"/>
+            <a:ext cx="6008914" cy="3627312"/>
+            <a:chOff x="277580" y="2120345"/>
+            <a:chExt cx="6008914" cy="3627312"/>
+          </a:xfrm>
+        </p:grpSpPr>
+        <p:pic>
+          <p:nvPicPr>
+            <p:cNvPr id="6" name="Picture 5">
+              <a:extLst>
+                <a:ext uri="{FF2B5EF4-FFF2-40B4-BE49-F238E27FC236}">
+                  <a16:creationId xmlns:a16="http://schemas.microsoft.com/office/drawing/2014/main" id="{A24FC288-FBDD-CD41-9688-595DF88717E9}"/>
+                </a:ext>
+              </a:extLst>
+            </p:cNvPr>
+            <p:cNvPicPr>
+              <a:picLocks noChangeAspect="1"/>
+            </p:cNvPicPr>
+            <p:nvPr/>
+          </p:nvPicPr>
+          <p:blipFill>
+            <a:blip r:embed="rId3">
+              <a:extLst>
+                <a:ext uri="{28A0092B-C50C-407E-A947-70E740481C1C}">
+                  <a14:useLocalDpi xmlns:a14="http://schemas.microsoft.com/office/drawing/2010/main" val="0"/>
+                </a:ext>
+              </a:extLst>
+            </a:blip>
+            <a:stretch>
+              <a:fillRect/>
+            </a:stretch>
+          </p:blipFill>
+          <p:spPr>
+            <a:xfrm>
+              <a:off x="413650" y="2120346"/>
+              <a:ext cx="5850572" cy="3510343"/>
+            </a:xfrm>
+            <a:prstGeom prst="rect">
+              <a:avLst/>
+            </a:prstGeom>
+            <a:solidFill>
+              <a:schemeClr val="tx1"/>
+            </a:solidFill>
+          </p:spPr>
+        </p:pic>
+        <p:sp>
+          <p:nvSpPr>
+            <p:cNvPr id="7" name="Rectangle 6">
+              <a:extLst>
+                <a:ext uri="{FF2B5EF4-FFF2-40B4-BE49-F238E27FC236}">
+                  <a16:creationId xmlns:a16="http://schemas.microsoft.com/office/drawing/2014/main" id="{3810D7AA-ACD8-274B-8252-1D98CA1ADEFC}"/>
+                </a:ext>
+              </a:extLst>
+            </p:cNvPr>
+            <p:cNvSpPr/>
+            <p:nvPr/>
+          </p:nvSpPr>
+          <p:spPr>
+            <a:xfrm>
+              <a:off x="277580" y="2120346"/>
+              <a:ext cx="669471" cy="3627311"/>
+            </a:xfrm>
+            <a:prstGeom prst="rect">
+              <a:avLst/>
+            </a:prstGeom>
+            <a:solidFill>
+              <a:schemeClr val="bg1"/>
+            </a:solidFill>
+            <a:ln>
+              <a:noFill/>
+            </a:ln>
+          </p:spPr>
+          <p:style>
+            <a:lnRef idx="2">
+              <a:schemeClr val="accent1">
+                <a:shade val="50000"/>
+              </a:schemeClr>
+            </a:lnRef>
+            <a:fillRef idx="1">
+              <a:schemeClr val="accent1"/>
+            </a:fillRef>
+            <a:effectRef idx="0">
+              <a:schemeClr val="accent1"/>
+            </a:effectRef>
+            <a:fontRef idx="minor">
+              <a:schemeClr val="lt1"/>
+            </a:fontRef>
+          </p:style>
+          <p:txBody>
+            <a:bodyPr rtlCol="0" anchor="ctr"/>
+            <a:lstStyle/>
+            <a:p>
+              <a:pPr algn="ctr"/>
+              <a:endParaRPr lang="en-US" dirty="0"/>
+            </a:p>
+          </p:txBody>
+        </p:sp>
+        <p:sp>
+          <p:nvSpPr>
+            <p:cNvPr id="8" name="Rectangle 7">
+              <a:extLst>
+                <a:ext uri="{FF2B5EF4-FFF2-40B4-BE49-F238E27FC236}">
+                  <a16:creationId xmlns:a16="http://schemas.microsoft.com/office/drawing/2014/main" id="{746400C6-D4AD-F34D-9659-7BC4A746C0C4}"/>
+                </a:ext>
+              </a:extLst>
+            </p:cNvPr>
+            <p:cNvSpPr/>
+            <p:nvPr/>
+          </p:nvSpPr>
+          <p:spPr>
+            <a:xfrm>
+              <a:off x="5812965" y="2120345"/>
+              <a:ext cx="473529" cy="3627311"/>
+            </a:xfrm>
+            <a:prstGeom prst="rect">
+              <a:avLst/>
+            </a:prstGeom>
+            <a:solidFill>
+              <a:schemeClr val="bg1"/>
+            </a:solidFill>
+            <a:ln>
+              <a:noFill/>
+            </a:ln>
+          </p:spPr>
+          <p:style>
+            <a:lnRef idx="2">
+              <a:schemeClr val="accent1">
+                <a:shade val="50000"/>
+              </a:schemeClr>
+            </a:lnRef>
+            <a:fillRef idx="1">
+              <a:schemeClr val="accent1"/>
+            </a:fillRef>
+            <a:effectRef idx="0">
+              <a:schemeClr val="accent1"/>
+            </a:effectRef>
+            <a:fontRef idx="minor">
+              <a:schemeClr val="lt1"/>
+            </a:fontRef>
+          </p:style>
+          <p:txBody>
+            <a:bodyPr rtlCol="0" anchor="ctr"/>
+            <a:lstStyle/>
+            <a:p>
+              <a:pPr algn="ctr"/>
+              <a:endParaRPr lang="en-US" dirty="0"/>
+            </a:p>
+          </p:txBody>
+        </p:sp>
+      </p:grpSp>
     </p:spTree>
     <p:extLst>
       <p:ext uri="{BB962C8B-B14F-4D97-AF65-F5344CB8AC3E}">
@@ -5151,7 +5510,7 @@
         </p:blipFill>
         <p:spPr>
           <a:xfrm>
-            <a:off x="6378858" y="1836890"/>
+            <a:off x="6182912" y="1836890"/>
             <a:ext cx="5277964" cy="3842552"/>
           </a:xfrm>
           <a:prstGeom prst="rect">
@@ -5159,36 +5518,118 @@
           </a:prstGeom>
         </p:spPr>
       </p:pic>
-      <p:pic>
-        <p:nvPicPr>
-          <p:cNvPr id="4" name="Picture 3">
+      <p:grpSp>
+        <p:nvGrpSpPr>
+          <p:cNvPr id="6" name="Group 5">
             <a:extLst>
               <a:ext uri="{FF2B5EF4-FFF2-40B4-BE49-F238E27FC236}">
-                <a16:creationId xmlns:a16="http://schemas.microsoft.com/office/drawing/2014/main" id="{79E4E0B6-5BAC-443F-9919-D4B24C2F1786}"/>
+                <a16:creationId xmlns:a16="http://schemas.microsoft.com/office/drawing/2014/main" id="{C34C238E-CF36-9D42-8785-17447A1B58F4}"/>
               </a:ext>
             </a:extLst>
           </p:cNvPr>
-          <p:cNvPicPr>
-            <a:picLocks noChangeAspect="1"/>
-          </p:cNvPicPr>
+          <p:cNvGrpSpPr/>
           <p:nvPr/>
-        </p:nvPicPr>
-        <p:blipFill>
-          <a:blip r:embed="rId3"/>
-          <a:stretch>
-            <a:fillRect/>
-          </a:stretch>
-        </p:blipFill>
-        <p:spPr>
+        </p:nvGrpSpPr>
+        <p:grpSpPr>
           <a:xfrm>
-            <a:off x="416561" y="1836889"/>
-            <a:ext cx="5659276" cy="3842552"/>
+            <a:off x="169862" y="1615344"/>
+            <a:ext cx="5572333" cy="4328256"/>
+            <a:chOff x="169862" y="1615344"/>
+            <a:chExt cx="5572333" cy="4328256"/>
           </a:xfrm>
-          <a:prstGeom prst="rect">
-            <a:avLst/>
-          </a:prstGeom>
-        </p:spPr>
-      </p:pic>
+        </p:grpSpPr>
+        <p:pic>
+          <p:nvPicPr>
+            <p:cNvPr id="5" name="Picture 4">
+              <a:extLst>
+                <a:ext uri="{FF2B5EF4-FFF2-40B4-BE49-F238E27FC236}">
+                  <a16:creationId xmlns:a16="http://schemas.microsoft.com/office/drawing/2014/main" id="{4885B158-BBAB-7447-A5C6-0EB5FE2BECB1}"/>
+                </a:ext>
+              </a:extLst>
+            </p:cNvPr>
+            <p:cNvPicPr>
+              <a:picLocks noChangeAspect="1"/>
+            </p:cNvPicPr>
+            <p:nvPr/>
+          </p:nvPicPr>
+          <p:blipFill>
+            <a:blip r:embed="rId3">
+              <a:extLst>
+                <a:ext uri="{28A0092B-C50C-407E-A947-70E740481C1C}">
+                  <a14:useLocalDpi xmlns:a14="http://schemas.microsoft.com/office/drawing/2010/main" val="0"/>
+                </a:ext>
+              </a:extLst>
+            </a:blip>
+            <a:stretch>
+              <a:fillRect/>
+            </a:stretch>
+          </p:blipFill>
+          <p:spPr>
+            <a:xfrm>
+              <a:off x="544853" y="1858196"/>
+              <a:ext cx="5197342" cy="3842552"/>
+            </a:xfrm>
+            <a:prstGeom prst="rect">
+              <a:avLst/>
+            </a:prstGeom>
+            <a:solidFill>
+              <a:schemeClr val="tx1"/>
+            </a:solidFill>
+          </p:spPr>
+        </p:pic>
+        <p:sp>
+          <p:nvSpPr>
+            <p:cNvPr id="9" name="Rectangle 8">
+              <a:extLst>
+                <a:ext uri="{FF2B5EF4-FFF2-40B4-BE49-F238E27FC236}">
+                  <a16:creationId xmlns:a16="http://schemas.microsoft.com/office/drawing/2014/main" id="{E40F274E-18A8-A748-9D2A-C912F14B53B7}"/>
+                </a:ext>
+              </a:extLst>
+            </p:cNvPr>
+            <p:cNvSpPr/>
+            <p:nvPr/>
+          </p:nvSpPr>
+          <p:spPr>
+            <a:xfrm>
+              <a:off x="169862" y="1615344"/>
+              <a:ext cx="749983" cy="4328256"/>
+            </a:xfrm>
+            <a:prstGeom prst="rect">
+              <a:avLst/>
+            </a:prstGeom>
+            <a:solidFill>
+              <a:schemeClr val="bg1"/>
+            </a:solidFill>
+            <a:ln>
+              <a:noFill/>
+            </a:ln>
+          </p:spPr>
+          <p:style>
+            <a:lnRef idx="2">
+              <a:schemeClr val="accent1">
+                <a:shade val="50000"/>
+              </a:schemeClr>
+            </a:lnRef>
+            <a:fillRef idx="1">
+              <a:schemeClr val="accent1"/>
+            </a:fillRef>
+            <a:effectRef idx="0">
+              <a:schemeClr val="accent1"/>
+            </a:effectRef>
+            <a:fontRef idx="minor">
+              <a:schemeClr val="lt1"/>
+            </a:fontRef>
+          </p:style>
+          <p:txBody>
+            <a:bodyPr rtlCol="0" anchor="ctr"/>
+            <a:lstStyle/>
+            <a:p>
+              <a:pPr algn="ctr"/>
+              <a:endParaRPr lang="en-US" dirty="0"/>
+            </a:p>
+          </p:txBody>
+        </p:sp>
+      </p:grpSp>
     </p:spTree>
     <p:extLst>
       <p:ext uri="{BB962C8B-B14F-4D97-AF65-F5344CB8AC3E}">

--- a/US_Food_Drug_Final.pptx
+++ b/US_Food_Drug_Final.pptx
@@ -303,7 +303,7 @@
           <a:p>
             <a:fld id="{5BF0E2EB-264F-4990-A0CB-5974C16DD733}" type="datetimeFigureOut">
               <a:rPr lang="en-US" smtClean="0"/>
-              <a:t>11/10/21</a:t>
+              <a:t>11/10/2021</a:t>
             </a:fld>
             <a:endParaRPr lang="en-US"/>
           </a:p>
@@ -869,7 +869,7 @@
           <a:p>
             <a:fld id="{A295129A-6630-40BB-8A3A-FEE4DF36B89A}" type="datetimeFigureOut">
               <a:rPr lang="en-US" smtClean="0"/>
-              <a:t>11/10/21</a:t>
+              <a:t>11/10/2021</a:t>
             </a:fld>
             <a:endParaRPr lang="en-US"/>
           </a:p>
@@ -1039,7 +1039,7 @@
           <a:p>
             <a:fld id="{A295129A-6630-40BB-8A3A-FEE4DF36B89A}" type="datetimeFigureOut">
               <a:rPr lang="en-US" smtClean="0"/>
-              <a:t>11/10/21</a:t>
+              <a:t>11/10/2021</a:t>
             </a:fld>
             <a:endParaRPr lang="en-US"/>
           </a:p>
@@ -1219,7 +1219,7 @@
           <a:p>
             <a:fld id="{A295129A-6630-40BB-8A3A-FEE4DF36B89A}" type="datetimeFigureOut">
               <a:rPr lang="en-US" smtClean="0"/>
-              <a:t>11/10/21</a:t>
+              <a:t>11/10/2021</a:t>
             </a:fld>
             <a:endParaRPr lang="en-US"/>
           </a:p>
@@ -1389,7 +1389,7 @@
           <a:p>
             <a:fld id="{A295129A-6630-40BB-8A3A-FEE4DF36B89A}" type="datetimeFigureOut">
               <a:rPr lang="en-US" smtClean="0"/>
-              <a:t>11/10/21</a:t>
+              <a:t>11/10/2021</a:t>
             </a:fld>
             <a:endParaRPr lang="en-US"/>
           </a:p>
@@ -1635,7 +1635,7 @@
           <a:p>
             <a:fld id="{A295129A-6630-40BB-8A3A-FEE4DF36B89A}" type="datetimeFigureOut">
               <a:rPr lang="en-US" smtClean="0"/>
-              <a:t>11/10/21</a:t>
+              <a:t>11/10/2021</a:t>
             </a:fld>
             <a:endParaRPr lang="en-US"/>
           </a:p>
@@ -1867,7 +1867,7 @@
           <a:p>
             <a:fld id="{A295129A-6630-40BB-8A3A-FEE4DF36B89A}" type="datetimeFigureOut">
               <a:rPr lang="en-US" smtClean="0"/>
-              <a:t>11/10/21</a:t>
+              <a:t>11/10/2021</a:t>
             </a:fld>
             <a:endParaRPr lang="en-US"/>
           </a:p>
@@ -2234,7 +2234,7 @@
           <a:p>
             <a:fld id="{A295129A-6630-40BB-8A3A-FEE4DF36B89A}" type="datetimeFigureOut">
               <a:rPr lang="en-US" smtClean="0"/>
-              <a:t>11/10/21</a:t>
+              <a:t>11/10/2021</a:t>
             </a:fld>
             <a:endParaRPr lang="en-US"/>
           </a:p>
@@ -2352,7 +2352,7 @@
           <a:p>
             <a:fld id="{A295129A-6630-40BB-8A3A-FEE4DF36B89A}" type="datetimeFigureOut">
               <a:rPr lang="en-US" smtClean="0"/>
-              <a:t>11/10/21</a:t>
+              <a:t>11/10/2021</a:t>
             </a:fld>
             <a:endParaRPr lang="en-US"/>
           </a:p>
@@ -2447,7 +2447,7 @@
           <a:p>
             <a:fld id="{A295129A-6630-40BB-8A3A-FEE4DF36B89A}" type="datetimeFigureOut">
               <a:rPr lang="en-US" smtClean="0"/>
-              <a:t>11/10/21</a:t>
+              <a:t>11/10/2021</a:t>
             </a:fld>
             <a:endParaRPr lang="en-US"/>
           </a:p>
@@ -2724,7 +2724,7 @@
           <a:p>
             <a:fld id="{A295129A-6630-40BB-8A3A-FEE4DF36B89A}" type="datetimeFigureOut">
               <a:rPr lang="en-US" smtClean="0"/>
-              <a:t>11/10/21</a:t>
+              <a:t>11/10/2021</a:t>
             </a:fld>
             <a:endParaRPr lang="en-US"/>
           </a:p>
@@ -2981,7 +2981,7 @@
           <a:p>
             <a:fld id="{A295129A-6630-40BB-8A3A-FEE4DF36B89A}" type="datetimeFigureOut">
               <a:rPr lang="en-US" smtClean="0"/>
-              <a:t>11/10/21</a:t>
+              <a:t>11/10/2021</a:t>
             </a:fld>
             <a:endParaRPr lang="en-US"/>
           </a:p>
@@ -3194,7 +3194,7 @@
           <a:p>
             <a:fld id="{A295129A-6630-40BB-8A3A-FEE4DF36B89A}" type="datetimeFigureOut">
               <a:rPr lang="en-US" smtClean="0"/>
-              <a:t>11/10/21</a:t>
+              <a:t>11/10/2021</a:t>
             </a:fld>
             <a:endParaRPr lang="en-US"/>
           </a:p>
@@ -3994,10 +3994,10 @@
       </p:sp>
       <p:pic>
         <p:nvPicPr>
-          <p:cNvPr id="6" name="Picture 5" descr="Chart, scatter chart&#10;&#10;Description automatically generated">
+          <p:cNvPr id="4" name="Picture 3">
             <a:extLst>
               <a:ext uri="{FF2B5EF4-FFF2-40B4-BE49-F238E27FC236}">
-                <a16:creationId xmlns:a16="http://schemas.microsoft.com/office/drawing/2014/main" id="{9CCD111A-7FC6-4B48-B4AA-D17300830FB0}"/>
+                <a16:creationId xmlns:a16="http://schemas.microsoft.com/office/drawing/2014/main" id="{5BD767AA-A0AF-4147-8299-592B7ABBF755}"/>
               </a:ext>
             </a:extLst>
           </p:cNvPr>
@@ -4007,21 +4007,15 @@
           <p:nvPr/>
         </p:nvPicPr>
         <p:blipFill>
-          <a:blip r:embed="rId2">
-            <a:extLst>
-              <a:ext uri="{28A0092B-C50C-407E-A947-70E740481C1C}">
-                <a14:useLocalDpi xmlns:a14="http://schemas.microsoft.com/office/drawing/2010/main" val="0"/>
-              </a:ext>
-            </a:extLst>
-          </a:blip>
+          <a:blip r:embed="rId2"/>
           <a:stretch>
             <a:fillRect/>
           </a:stretch>
         </p:blipFill>
         <p:spPr>
           <a:xfrm>
-            <a:off x="4777316" y="774887"/>
-            <a:ext cx="6780700" cy="5305897"/>
+            <a:off x="4527804" y="806315"/>
+            <a:ext cx="7106015" cy="5245370"/>
           </a:xfrm>
           <a:prstGeom prst="rect">
             <a:avLst/>
